--- a/docs/presentation/FinalPresentation.pptx
+++ b/docs/presentation/FinalPresentation.pptx
@@ -133,7 +133,7 @@
           <p:cNvPr id="2" name="Title 1">
             <a:extLst>
               <a:ext uri="{FF2B5EF4-FFF2-40B4-BE49-F238E27FC236}">
-                <a16:creationId xmlns:a16="http://schemas.microsoft.com/office/drawing/2014/main" id="{8E48DA4E-949E-4698-8832-22A9906213C6}"/>
+                <a16:creationId xmlns:a16="http://schemas.microsoft.com/office/drawing/2014/main" xmlns="" id="{8E48DA4E-949E-4698-8832-22A9906213C6}"/>
               </a:ext>
             </a:extLst>
           </p:cNvPr>
@@ -170,7 +170,7 @@
           <p:cNvPr id="3" name="Subtitle 2">
             <a:extLst>
               <a:ext uri="{FF2B5EF4-FFF2-40B4-BE49-F238E27FC236}">
-                <a16:creationId xmlns:a16="http://schemas.microsoft.com/office/drawing/2014/main" id="{9A297C60-21BB-4D67-99F9-C062BF912DF0}"/>
+                <a16:creationId xmlns:a16="http://schemas.microsoft.com/office/drawing/2014/main" xmlns="" id="{9A297C60-21BB-4D67-99F9-C062BF912DF0}"/>
               </a:ext>
             </a:extLst>
           </p:cNvPr>
@@ -240,7 +240,7 @@
           <p:cNvPr id="4" name="Date Placeholder 3">
             <a:extLst>
               <a:ext uri="{FF2B5EF4-FFF2-40B4-BE49-F238E27FC236}">
-                <a16:creationId xmlns:a16="http://schemas.microsoft.com/office/drawing/2014/main" id="{FF6ECE03-D182-46D2-A2FC-8C18CC3406D5}"/>
+                <a16:creationId xmlns:a16="http://schemas.microsoft.com/office/drawing/2014/main" xmlns="" id="{FF6ECE03-D182-46D2-A2FC-8C18CC3406D5}"/>
               </a:ext>
             </a:extLst>
           </p:cNvPr>
@@ -269,7 +269,7 @@
           <p:cNvPr id="5" name="Footer Placeholder 4">
             <a:extLst>
               <a:ext uri="{FF2B5EF4-FFF2-40B4-BE49-F238E27FC236}">
-                <a16:creationId xmlns:a16="http://schemas.microsoft.com/office/drawing/2014/main" id="{2A81C527-F903-4A18-90E8-A81E69078E7A}"/>
+                <a16:creationId xmlns:a16="http://schemas.microsoft.com/office/drawing/2014/main" xmlns="" id="{2A81C527-F903-4A18-90E8-A81E69078E7A}"/>
               </a:ext>
             </a:extLst>
           </p:cNvPr>
@@ -294,7 +294,7 @@
           <p:cNvPr id="6" name="Slide Number Placeholder 5">
             <a:extLst>
               <a:ext uri="{FF2B5EF4-FFF2-40B4-BE49-F238E27FC236}">
-                <a16:creationId xmlns:a16="http://schemas.microsoft.com/office/drawing/2014/main" id="{051EC166-BC25-4AEC-B200-BC2E949A3220}"/>
+                <a16:creationId xmlns:a16="http://schemas.microsoft.com/office/drawing/2014/main" xmlns="" id="{051EC166-BC25-4AEC-B200-BC2E949A3220}"/>
               </a:ext>
             </a:extLst>
           </p:cNvPr>
@@ -353,7 +353,7 @@
           <p:cNvPr id="2" name="Title 1">
             <a:extLst>
               <a:ext uri="{FF2B5EF4-FFF2-40B4-BE49-F238E27FC236}">
-                <a16:creationId xmlns:a16="http://schemas.microsoft.com/office/drawing/2014/main" id="{E47CE3D7-818F-4D1B-8012-61C372A1A449}"/>
+                <a16:creationId xmlns:a16="http://schemas.microsoft.com/office/drawing/2014/main" xmlns="" id="{E47CE3D7-818F-4D1B-8012-61C372A1A449}"/>
               </a:ext>
             </a:extLst>
           </p:cNvPr>
@@ -381,7 +381,7 @@
           <p:cNvPr id="3" name="Vertical Text Placeholder 2">
             <a:extLst>
               <a:ext uri="{FF2B5EF4-FFF2-40B4-BE49-F238E27FC236}">
-                <a16:creationId xmlns:a16="http://schemas.microsoft.com/office/drawing/2014/main" id="{E65C1DD9-3095-41F0-9FB4-9957DB4D8922}"/>
+                <a16:creationId xmlns:a16="http://schemas.microsoft.com/office/drawing/2014/main" xmlns="" id="{E65C1DD9-3095-41F0-9FB4-9957DB4D8922}"/>
               </a:ext>
             </a:extLst>
           </p:cNvPr>
@@ -438,7 +438,7 @@
           <p:cNvPr id="4" name="Date Placeholder 3">
             <a:extLst>
               <a:ext uri="{FF2B5EF4-FFF2-40B4-BE49-F238E27FC236}">
-                <a16:creationId xmlns:a16="http://schemas.microsoft.com/office/drawing/2014/main" id="{189F7A2C-9268-4ED0-ABB7-3EE1E2387C46}"/>
+                <a16:creationId xmlns:a16="http://schemas.microsoft.com/office/drawing/2014/main" xmlns="" id="{189F7A2C-9268-4ED0-ABB7-3EE1E2387C46}"/>
               </a:ext>
             </a:extLst>
           </p:cNvPr>
@@ -467,7 +467,7 @@
           <p:cNvPr id="5" name="Footer Placeholder 4">
             <a:extLst>
               <a:ext uri="{FF2B5EF4-FFF2-40B4-BE49-F238E27FC236}">
-                <a16:creationId xmlns:a16="http://schemas.microsoft.com/office/drawing/2014/main" id="{7B9C0F0E-7A87-49E4-AA6E-E511ACAD41C0}"/>
+                <a16:creationId xmlns:a16="http://schemas.microsoft.com/office/drawing/2014/main" xmlns="" id="{7B9C0F0E-7A87-49E4-AA6E-E511ACAD41C0}"/>
               </a:ext>
             </a:extLst>
           </p:cNvPr>
@@ -492,7 +492,7 @@
           <p:cNvPr id="6" name="Slide Number Placeholder 5">
             <a:extLst>
               <a:ext uri="{FF2B5EF4-FFF2-40B4-BE49-F238E27FC236}">
-                <a16:creationId xmlns:a16="http://schemas.microsoft.com/office/drawing/2014/main" id="{FB46D092-EC65-436B-8236-47CE642EA349}"/>
+                <a16:creationId xmlns:a16="http://schemas.microsoft.com/office/drawing/2014/main" xmlns="" id="{FB46D092-EC65-436B-8236-47CE642EA349}"/>
               </a:ext>
             </a:extLst>
           </p:cNvPr>
@@ -551,7 +551,7 @@
           <p:cNvPr id="2" name="Vertical Title 1">
             <a:extLst>
               <a:ext uri="{FF2B5EF4-FFF2-40B4-BE49-F238E27FC236}">
-                <a16:creationId xmlns:a16="http://schemas.microsoft.com/office/drawing/2014/main" id="{165E7790-9A75-4C9E-87AC-489F2E3DE6BC}"/>
+                <a16:creationId xmlns:a16="http://schemas.microsoft.com/office/drawing/2014/main" xmlns="" id="{165E7790-9A75-4C9E-87AC-489F2E3DE6BC}"/>
               </a:ext>
             </a:extLst>
           </p:cNvPr>
@@ -584,7 +584,7 @@
           <p:cNvPr id="3" name="Vertical Text Placeholder 2">
             <a:extLst>
               <a:ext uri="{FF2B5EF4-FFF2-40B4-BE49-F238E27FC236}">
-                <a16:creationId xmlns:a16="http://schemas.microsoft.com/office/drawing/2014/main" id="{47911349-D7D8-4254-B1C6-BF343639856E}"/>
+                <a16:creationId xmlns:a16="http://schemas.microsoft.com/office/drawing/2014/main" xmlns="" id="{47911349-D7D8-4254-B1C6-BF343639856E}"/>
               </a:ext>
             </a:extLst>
           </p:cNvPr>
@@ -646,7 +646,7 @@
           <p:cNvPr id="4" name="Date Placeholder 3">
             <a:extLst>
               <a:ext uri="{FF2B5EF4-FFF2-40B4-BE49-F238E27FC236}">
-                <a16:creationId xmlns:a16="http://schemas.microsoft.com/office/drawing/2014/main" id="{8BCB8FFF-C1B0-4727-BBE5-6AAF0E7A29EA}"/>
+                <a16:creationId xmlns:a16="http://schemas.microsoft.com/office/drawing/2014/main" xmlns="" id="{8BCB8FFF-C1B0-4727-BBE5-6AAF0E7A29EA}"/>
               </a:ext>
             </a:extLst>
           </p:cNvPr>
@@ -675,7 +675,7 @@
           <p:cNvPr id="5" name="Footer Placeholder 4">
             <a:extLst>
               <a:ext uri="{FF2B5EF4-FFF2-40B4-BE49-F238E27FC236}">
-                <a16:creationId xmlns:a16="http://schemas.microsoft.com/office/drawing/2014/main" id="{3897AC80-1933-4FDE-A60D-ABD89410C265}"/>
+                <a16:creationId xmlns:a16="http://schemas.microsoft.com/office/drawing/2014/main" xmlns="" id="{3897AC80-1933-4FDE-A60D-ABD89410C265}"/>
               </a:ext>
             </a:extLst>
           </p:cNvPr>
@@ -700,7 +700,7 @@
           <p:cNvPr id="6" name="Slide Number Placeholder 5">
             <a:extLst>
               <a:ext uri="{FF2B5EF4-FFF2-40B4-BE49-F238E27FC236}">
-                <a16:creationId xmlns:a16="http://schemas.microsoft.com/office/drawing/2014/main" id="{5648B3CB-E653-4803-BFBF-1B3A1F0852CA}"/>
+                <a16:creationId xmlns:a16="http://schemas.microsoft.com/office/drawing/2014/main" xmlns="" id="{5648B3CB-E653-4803-BFBF-1B3A1F0852CA}"/>
               </a:ext>
             </a:extLst>
           </p:cNvPr>
@@ -759,7 +759,7 @@
           <p:cNvPr id="2" name="Title 1">
             <a:extLst>
               <a:ext uri="{FF2B5EF4-FFF2-40B4-BE49-F238E27FC236}">
-                <a16:creationId xmlns:a16="http://schemas.microsoft.com/office/drawing/2014/main" id="{1A06EB60-9004-46C4-8E2C-43927EAD3E66}"/>
+                <a16:creationId xmlns:a16="http://schemas.microsoft.com/office/drawing/2014/main" xmlns="" id="{1A06EB60-9004-46C4-8E2C-43927EAD3E66}"/>
               </a:ext>
             </a:extLst>
           </p:cNvPr>
@@ -787,7 +787,7 @@
           <p:cNvPr id="3" name="Content Placeholder 2">
             <a:extLst>
               <a:ext uri="{FF2B5EF4-FFF2-40B4-BE49-F238E27FC236}">
-                <a16:creationId xmlns:a16="http://schemas.microsoft.com/office/drawing/2014/main" id="{0D538548-C18F-45F1-B95D-43097245219E}"/>
+                <a16:creationId xmlns:a16="http://schemas.microsoft.com/office/drawing/2014/main" xmlns="" id="{0D538548-C18F-45F1-B95D-43097245219E}"/>
               </a:ext>
             </a:extLst>
           </p:cNvPr>
@@ -844,7 +844,7 @@
           <p:cNvPr id="4" name="Date Placeholder 3">
             <a:extLst>
               <a:ext uri="{FF2B5EF4-FFF2-40B4-BE49-F238E27FC236}">
-                <a16:creationId xmlns:a16="http://schemas.microsoft.com/office/drawing/2014/main" id="{CDB7294A-4150-44A9-9BDC-CEE87AB14D25}"/>
+                <a16:creationId xmlns:a16="http://schemas.microsoft.com/office/drawing/2014/main" xmlns="" id="{CDB7294A-4150-44A9-9BDC-CEE87AB14D25}"/>
               </a:ext>
             </a:extLst>
           </p:cNvPr>
@@ -873,7 +873,7 @@
           <p:cNvPr id="5" name="Footer Placeholder 4">
             <a:extLst>
               <a:ext uri="{FF2B5EF4-FFF2-40B4-BE49-F238E27FC236}">
-                <a16:creationId xmlns:a16="http://schemas.microsoft.com/office/drawing/2014/main" id="{141D4293-E048-4495-B6F1-CD585C52C9B7}"/>
+                <a16:creationId xmlns:a16="http://schemas.microsoft.com/office/drawing/2014/main" xmlns="" id="{141D4293-E048-4495-B6F1-CD585C52C9B7}"/>
               </a:ext>
             </a:extLst>
           </p:cNvPr>
@@ -898,7 +898,7 @@
           <p:cNvPr id="6" name="Slide Number Placeholder 5">
             <a:extLst>
               <a:ext uri="{FF2B5EF4-FFF2-40B4-BE49-F238E27FC236}">
-                <a16:creationId xmlns:a16="http://schemas.microsoft.com/office/drawing/2014/main" id="{496E66B5-7DD5-4EB4-B91F-7F8465B6E80E}"/>
+                <a16:creationId xmlns:a16="http://schemas.microsoft.com/office/drawing/2014/main" xmlns="" id="{496E66B5-7DD5-4EB4-B91F-7F8465B6E80E}"/>
               </a:ext>
             </a:extLst>
           </p:cNvPr>
@@ -957,7 +957,7 @@
           <p:cNvPr id="2" name="Title 1">
             <a:extLst>
               <a:ext uri="{FF2B5EF4-FFF2-40B4-BE49-F238E27FC236}">
-                <a16:creationId xmlns:a16="http://schemas.microsoft.com/office/drawing/2014/main" id="{96461375-600A-4116-89DF-0FCAD8D374C9}"/>
+                <a16:creationId xmlns:a16="http://schemas.microsoft.com/office/drawing/2014/main" xmlns="" id="{96461375-600A-4116-89DF-0FCAD8D374C9}"/>
               </a:ext>
             </a:extLst>
           </p:cNvPr>
@@ -994,7 +994,7 @@
           <p:cNvPr id="3" name="Text Placeholder 2">
             <a:extLst>
               <a:ext uri="{FF2B5EF4-FFF2-40B4-BE49-F238E27FC236}">
-                <a16:creationId xmlns:a16="http://schemas.microsoft.com/office/drawing/2014/main" id="{D8C20A2B-AA81-4F51-914C-85641E35E963}"/>
+                <a16:creationId xmlns:a16="http://schemas.microsoft.com/office/drawing/2014/main" xmlns="" id="{D8C20A2B-AA81-4F51-914C-85641E35E963}"/>
               </a:ext>
             </a:extLst>
           </p:cNvPr>
@@ -1119,7 +1119,7 @@
           <p:cNvPr id="4" name="Date Placeholder 3">
             <a:extLst>
               <a:ext uri="{FF2B5EF4-FFF2-40B4-BE49-F238E27FC236}">
-                <a16:creationId xmlns:a16="http://schemas.microsoft.com/office/drawing/2014/main" id="{144AEDE2-6E83-4633-9C56-941C7D1545C5}"/>
+                <a16:creationId xmlns:a16="http://schemas.microsoft.com/office/drawing/2014/main" xmlns="" id="{144AEDE2-6E83-4633-9C56-941C7D1545C5}"/>
               </a:ext>
             </a:extLst>
           </p:cNvPr>
@@ -1148,7 +1148,7 @@
           <p:cNvPr id="5" name="Footer Placeholder 4">
             <a:extLst>
               <a:ext uri="{FF2B5EF4-FFF2-40B4-BE49-F238E27FC236}">
-                <a16:creationId xmlns:a16="http://schemas.microsoft.com/office/drawing/2014/main" id="{90003158-9F93-4D95-8461-6019FB6BA022}"/>
+                <a16:creationId xmlns:a16="http://schemas.microsoft.com/office/drawing/2014/main" xmlns="" id="{90003158-9F93-4D95-8461-6019FB6BA022}"/>
               </a:ext>
             </a:extLst>
           </p:cNvPr>
@@ -1173,7 +1173,7 @@
           <p:cNvPr id="6" name="Slide Number Placeholder 5">
             <a:extLst>
               <a:ext uri="{FF2B5EF4-FFF2-40B4-BE49-F238E27FC236}">
-                <a16:creationId xmlns:a16="http://schemas.microsoft.com/office/drawing/2014/main" id="{459F7B92-EE41-4487-98B8-0CAFF82C8F1A}"/>
+                <a16:creationId xmlns:a16="http://schemas.microsoft.com/office/drawing/2014/main" xmlns="" id="{459F7B92-EE41-4487-98B8-0CAFF82C8F1A}"/>
               </a:ext>
             </a:extLst>
           </p:cNvPr>
@@ -1232,7 +1232,7 @@
           <p:cNvPr id="2" name="Title 1">
             <a:extLst>
               <a:ext uri="{FF2B5EF4-FFF2-40B4-BE49-F238E27FC236}">
-                <a16:creationId xmlns:a16="http://schemas.microsoft.com/office/drawing/2014/main" id="{157DE8B4-95D3-4F6B-B9EF-67DCDD4878B4}"/>
+                <a16:creationId xmlns:a16="http://schemas.microsoft.com/office/drawing/2014/main" xmlns="" id="{157DE8B4-95D3-4F6B-B9EF-67DCDD4878B4}"/>
               </a:ext>
             </a:extLst>
           </p:cNvPr>
@@ -1260,7 +1260,7 @@
           <p:cNvPr id="3" name="Content Placeholder 2">
             <a:extLst>
               <a:ext uri="{FF2B5EF4-FFF2-40B4-BE49-F238E27FC236}">
-                <a16:creationId xmlns:a16="http://schemas.microsoft.com/office/drawing/2014/main" id="{A896D6F5-4464-4CBB-B731-275A10F78D29}"/>
+                <a16:creationId xmlns:a16="http://schemas.microsoft.com/office/drawing/2014/main" xmlns="" id="{A896D6F5-4464-4CBB-B731-275A10F78D29}"/>
               </a:ext>
             </a:extLst>
           </p:cNvPr>
@@ -1322,7 +1322,7 @@
           <p:cNvPr id="4" name="Content Placeholder 3">
             <a:extLst>
               <a:ext uri="{FF2B5EF4-FFF2-40B4-BE49-F238E27FC236}">
-                <a16:creationId xmlns:a16="http://schemas.microsoft.com/office/drawing/2014/main" id="{758B4677-D9A4-4D85-9BC6-04957EE50CA1}"/>
+                <a16:creationId xmlns:a16="http://schemas.microsoft.com/office/drawing/2014/main" xmlns="" id="{758B4677-D9A4-4D85-9BC6-04957EE50CA1}"/>
               </a:ext>
             </a:extLst>
           </p:cNvPr>
@@ -1384,7 +1384,7 @@
           <p:cNvPr id="5" name="Date Placeholder 4">
             <a:extLst>
               <a:ext uri="{FF2B5EF4-FFF2-40B4-BE49-F238E27FC236}">
-                <a16:creationId xmlns:a16="http://schemas.microsoft.com/office/drawing/2014/main" id="{00D7E1AE-76EF-4123-A80D-2CA21FCA49F5}"/>
+                <a16:creationId xmlns:a16="http://schemas.microsoft.com/office/drawing/2014/main" xmlns="" id="{00D7E1AE-76EF-4123-A80D-2CA21FCA49F5}"/>
               </a:ext>
             </a:extLst>
           </p:cNvPr>
@@ -1413,7 +1413,7 @@
           <p:cNvPr id="6" name="Footer Placeholder 5">
             <a:extLst>
               <a:ext uri="{FF2B5EF4-FFF2-40B4-BE49-F238E27FC236}">
-                <a16:creationId xmlns:a16="http://schemas.microsoft.com/office/drawing/2014/main" id="{60171A06-5794-4E93-8B08-943D2EAC6676}"/>
+                <a16:creationId xmlns:a16="http://schemas.microsoft.com/office/drawing/2014/main" xmlns="" id="{60171A06-5794-4E93-8B08-943D2EAC6676}"/>
               </a:ext>
             </a:extLst>
           </p:cNvPr>
@@ -1438,7 +1438,7 @@
           <p:cNvPr id="7" name="Slide Number Placeholder 6">
             <a:extLst>
               <a:ext uri="{FF2B5EF4-FFF2-40B4-BE49-F238E27FC236}">
-                <a16:creationId xmlns:a16="http://schemas.microsoft.com/office/drawing/2014/main" id="{394F22B1-913C-4673-94DC-EA2B6E797A3E}"/>
+                <a16:creationId xmlns:a16="http://schemas.microsoft.com/office/drawing/2014/main" xmlns="" id="{394F22B1-913C-4673-94DC-EA2B6E797A3E}"/>
               </a:ext>
             </a:extLst>
           </p:cNvPr>
@@ -1497,7 +1497,7 @@
           <p:cNvPr id="2" name="Title 1">
             <a:extLst>
               <a:ext uri="{FF2B5EF4-FFF2-40B4-BE49-F238E27FC236}">
-                <a16:creationId xmlns:a16="http://schemas.microsoft.com/office/drawing/2014/main" id="{419627F6-2B4C-43C6-8283-CB587EAC457F}"/>
+                <a16:creationId xmlns:a16="http://schemas.microsoft.com/office/drawing/2014/main" xmlns="" id="{419627F6-2B4C-43C6-8283-CB587EAC457F}"/>
               </a:ext>
             </a:extLst>
           </p:cNvPr>
@@ -1530,7 +1530,7 @@
           <p:cNvPr id="3" name="Text Placeholder 2">
             <a:extLst>
               <a:ext uri="{FF2B5EF4-FFF2-40B4-BE49-F238E27FC236}">
-                <a16:creationId xmlns:a16="http://schemas.microsoft.com/office/drawing/2014/main" id="{302BF7DB-3BF5-41BA-B6A4-5116C169D684}"/>
+                <a16:creationId xmlns:a16="http://schemas.microsoft.com/office/drawing/2014/main" xmlns="" id="{302BF7DB-3BF5-41BA-B6A4-5116C169D684}"/>
               </a:ext>
             </a:extLst>
           </p:cNvPr>
@@ -1601,7 +1601,7 @@
           <p:cNvPr id="4" name="Content Placeholder 3">
             <a:extLst>
               <a:ext uri="{FF2B5EF4-FFF2-40B4-BE49-F238E27FC236}">
-                <a16:creationId xmlns:a16="http://schemas.microsoft.com/office/drawing/2014/main" id="{3D8A5BC4-21F7-4284-965C-8D0C93AAB25C}"/>
+                <a16:creationId xmlns:a16="http://schemas.microsoft.com/office/drawing/2014/main" xmlns="" id="{3D8A5BC4-21F7-4284-965C-8D0C93AAB25C}"/>
               </a:ext>
             </a:extLst>
           </p:cNvPr>
@@ -1663,7 +1663,7 @@
           <p:cNvPr id="5" name="Text Placeholder 4">
             <a:extLst>
               <a:ext uri="{FF2B5EF4-FFF2-40B4-BE49-F238E27FC236}">
-                <a16:creationId xmlns:a16="http://schemas.microsoft.com/office/drawing/2014/main" id="{82782983-F90C-4263-BF42-693552D8E709}"/>
+                <a16:creationId xmlns:a16="http://schemas.microsoft.com/office/drawing/2014/main" xmlns="" id="{82782983-F90C-4263-BF42-693552D8E709}"/>
               </a:ext>
             </a:extLst>
           </p:cNvPr>
@@ -1734,7 +1734,7 @@
           <p:cNvPr id="6" name="Content Placeholder 5">
             <a:extLst>
               <a:ext uri="{FF2B5EF4-FFF2-40B4-BE49-F238E27FC236}">
-                <a16:creationId xmlns:a16="http://schemas.microsoft.com/office/drawing/2014/main" id="{223AE0AA-96B0-4690-BCAE-0CB26CF6AC7C}"/>
+                <a16:creationId xmlns:a16="http://schemas.microsoft.com/office/drawing/2014/main" xmlns="" id="{223AE0AA-96B0-4690-BCAE-0CB26CF6AC7C}"/>
               </a:ext>
             </a:extLst>
           </p:cNvPr>
@@ -1796,7 +1796,7 @@
           <p:cNvPr id="7" name="Date Placeholder 6">
             <a:extLst>
               <a:ext uri="{FF2B5EF4-FFF2-40B4-BE49-F238E27FC236}">
-                <a16:creationId xmlns:a16="http://schemas.microsoft.com/office/drawing/2014/main" id="{ABD83828-DDFC-4907-8CA5-1A0625282739}"/>
+                <a16:creationId xmlns:a16="http://schemas.microsoft.com/office/drawing/2014/main" xmlns="" id="{ABD83828-DDFC-4907-8CA5-1A0625282739}"/>
               </a:ext>
             </a:extLst>
           </p:cNvPr>
@@ -1825,7 +1825,7 @@
           <p:cNvPr id="8" name="Footer Placeholder 7">
             <a:extLst>
               <a:ext uri="{FF2B5EF4-FFF2-40B4-BE49-F238E27FC236}">
-                <a16:creationId xmlns:a16="http://schemas.microsoft.com/office/drawing/2014/main" id="{B45049BD-9706-4D0D-A148-8B0DE7184880}"/>
+                <a16:creationId xmlns:a16="http://schemas.microsoft.com/office/drawing/2014/main" xmlns="" id="{B45049BD-9706-4D0D-A148-8B0DE7184880}"/>
               </a:ext>
             </a:extLst>
           </p:cNvPr>
@@ -1850,7 +1850,7 @@
           <p:cNvPr id="9" name="Slide Number Placeholder 8">
             <a:extLst>
               <a:ext uri="{FF2B5EF4-FFF2-40B4-BE49-F238E27FC236}">
-                <a16:creationId xmlns:a16="http://schemas.microsoft.com/office/drawing/2014/main" id="{C3473D1F-B265-429D-B06C-3EEC8A10F2D9}"/>
+                <a16:creationId xmlns:a16="http://schemas.microsoft.com/office/drawing/2014/main" xmlns="" id="{C3473D1F-B265-429D-B06C-3EEC8A10F2D9}"/>
               </a:ext>
             </a:extLst>
           </p:cNvPr>
@@ -1909,7 +1909,7 @@
           <p:cNvPr id="2" name="Title 1">
             <a:extLst>
               <a:ext uri="{FF2B5EF4-FFF2-40B4-BE49-F238E27FC236}">
-                <a16:creationId xmlns:a16="http://schemas.microsoft.com/office/drawing/2014/main" id="{8DEE0F50-A5BC-4954-9CAA-BC6A62F8CEFE}"/>
+                <a16:creationId xmlns:a16="http://schemas.microsoft.com/office/drawing/2014/main" xmlns="" id="{8DEE0F50-A5BC-4954-9CAA-BC6A62F8CEFE}"/>
               </a:ext>
             </a:extLst>
           </p:cNvPr>
@@ -1937,7 +1937,7 @@
           <p:cNvPr id="3" name="Date Placeholder 2">
             <a:extLst>
               <a:ext uri="{FF2B5EF4-FFF2-40B4-BE49-F238E27FC236}">
-                <a16:creationId xmlns:a16="http://schemas.microsoft.com/office/drawing/2014/main" id="{7B916090-2D0E-448F-BB31-8619BA994A44}"/>
+                <a16:creationId xmlns:a16="http://schemas.microsoft.com/office/drawing/2014/main" xmlns="" id="{7B916090-2D0E-448F-BB31-8619BA994A44}"/>
               </a:ext>
             </a:extLst>
           </p:cNvPr>
@@ -1966,7 +1966,7 @@
           <p:cNvPr id="4" name="Footer Placeholder 3">
             <a:extLst>
               <a:ext uri="{FF2B5EF4-FFF2-40B4-BE49-F238E27FC236}">
-                <a16:creationId xmlns:a16="http://schemas.microsoft.com/office/drawing/2014/main" id="{7EC81F79-65FF-40E9-9F6E-BC70AAB3752E}"/>
+                <a16:creationId xmlns:a16="http://schemas.microsoft.com/office/drawing/2014/main" xmlns="" id="{7EC81F79-65FF-40E9-9F6E-BC70AAB3752E}"/>
               </a:ext>
             </a:extLst>
           </p:cNvPr>
@@ -1991,7 +1991,7 @@
           <p:cNvPr id="5" name="Slide Number Placeholder 4">
             <a:extLst>
               <a:ext uri="{FF2B5EF4-FFF2-40B4-BE49-F238E27FC236}">
-                <a16:creationId xmlns:a16="http://schemas.microsoft.com/office/drawing/2014/main" id="{66BA44CC-FDAC-40BF-8C65-7A0B195A89B9}"/>
+                <a16:creationId xmlns:a16="http://schemas.microsoft.com/office/drawing/2014/main" xmlns="" id="{66BA44CC-FDAC-40BF-8C65-7A0B195A89B9}"/>
               </a:ext>
             </a:extLst>
           </p:cNvPr>
@@ -2050,7 +2050,7 @@
           <p:cNvPr id="2" name="Date Placeholder 1">
             <a:extLst>
               <a:ext uri="{FF2B5EF4-FFF2-40B4-BE49-F238E27FC236}">
-                <a16:creationId xmlns:a16="http://schemas.microsoft.com/office/drawing/2014/main" id="{35499049-2C5A-4709-9C3B-9168908AFC3B}"/>
+                <a16:creationId xmlns:a16="http://schemas.microsoft.com/office/drawing/2014/main" xmlns="" id="{35499049-2C5A-4709-9C3B-9168908AFC3B}"/>
               </a:ext>
             </a:extLst>
           </p:cNvPr>
@@ -2079,7 +2079,7 @@
           <p:cNvPr id="3" name="Footer Placeholder 2">
             <a:extLst>
               <a:ext uri="{FF2B5EF4-FFF2-40B4-BE49-F238E27FC236}">
-                <a16:creationId xmlns:a16="http://schemas.microsoft.com/office/drawing/2014/main" id="{0003801D-C4C4-4871-963C-D53ED466FAD6}"/>
+                <a16:creationId xmlns:a16="http://schemas.microsoft.com/office/drawing/2014/main" xmlns="" id="{0003801D-C4C4-4871-963C-D53ED466FAD6}"/>
               </a:ext>
             </a:extLst>
           </p:cNvPr>
@@ -2104,7 +2104,7 @@
           <p:cNvPr id="4" name="Slide Number Placeholder 3">
             <a:extLst>
               <a:ext uri="{FF2B5EF4-FFF2-40B4-BE49-F238E27FC236}">
-                <a16:creationId xmlns:a16="http://schemas.microsoft.com/office/drawing/2014/main" id="{B9EC853B-9287-49BB-A29F-1A6A69B6916F}"/>
+                <a16:creationId xmlns:a16="http://schemas.microsoft.com/office/drawing/2014/main" xmlns="" id="{B9EC853B-9287-49BB-A29F-1A6A69B6916F}"/>
               </a:ext>
             </a:extLst>
           </p:cNvPr>
@@ -2163,7 +2163,7 @@
           <p:cNvPr id="2" name="Title 1">
             <a:extLst>
               <a:ext uri="{FF2B5EF4-FFF2-40B4-BE49-F238E27FC236}">
-                <a16:creationId xmlns:a16="http://schemas.microsoft.com/office/drawing/2014/main" id="{D70E40CB-B0CA-4175-AE80-5C8A8FB7A459}"/>
+                <a16:creationId xmlns:a16="http://schemas.microsoft.com/office/drawing/2014/main" xmlns="" id="{D70E40CB-B0CA-4175-AE80-5C8A8FB7A459}"/>
               </a:ext>
             </a:extLst>
           </p:cNvPr>
@@ -2200,7 +2200,7 @@
           <p:cNvPr id="3" name="Content Placeholder 2">
             <a:extLst>
               <a:ext uri="{FF2B5EF4-FFF2-40B4-BE49-F238E27FC236}">
-                <a16:creationId xmlns:a16="http://schemas.microsoft.com/office/drawing/2014/main" id="{161A3DD6-5E59-4C3A-B9A7-9AC659B2EDEA}"/>
+                <a16:creationId xmlns:a16="http://schemas.microsoft.com/office/drawing/2014/main" xmlns="" id="{161A3DD6-5E59-4C3A-B9A7-9AC659B2EDEA}"/>
               </a:ext>
             </a:extLst>
           </p:cNvPr>
@@ -2290,7 +2290,7 @@
           <p:cNvPr id="4" name="Text Placeholder 3">
             <a:extLst>
               <a:ext uri="{FF2B5EF4-FFF2-40B4-BE49-F238E27FC236}">
-                <a16:creationId xmlns:a16="http://schemas.microsoft.com/office/drawing/2014/main" id="{7E4B9957-F23B-4F27-B7BD-8F65359497F8}"/>
+                <a16:creationId xmlns:a16="http://schemas.microsoft.com/office/drawing/2014/main" xmlns="" id="{7E4B9957-F23B-4F27-B7BD-8F65359497F8}"/>
               </a:ext>
             </a:extLst>
           </p:cNvPr>
@@ -2361,7 +2361,7 @@
           <p:cNvPr id="5" name="Date Placeholder 4">
             <a:extLst>
               <a:ext uri="{FF2B5EF4-FFF2-40B4-BE49-F238E27FC236}">
-                <a16:creationId xmlns:a16="http://schemas.microsoft.com/office/drawing/2014/main" id="{86179CB0-8DB3-4659-9ED0-CA915BFCD22B}"/>
+                <a16:creationId xmlns:a16="http://schemas.microsoft.com/office/drawing/2014/main" xmlns="" id="{86179CB0-8DB3-4659-9ED0-CA915BFCD22B}"/>
               </a:ext>
             </a:extLst>
           </p:cNvPr>
@@ -2390,7 +2390,7 @@
           <p:cNvPr id="6" name="Footer Placeholder 5">
             <a:extLst>
               <a:ext uri="{FF2B5EF4-FFF2-40B4-BE49-F238E27FC236}">
-                <a16:creationId xmlns:a16="http://schemas.microsoft.com/office/drawing/2014/main" id="{F1272505-1D7C-489E-999C-2A183180E418}"/>
+                <a16:creationId xmlns:a16="http://schemas.microsoft.com/office/drawing/2014/main" xmlns="" id="{F1272505-1D7C-489E-999C-2A183180E418}"/>
               </a:ext>
             </a:extLst>
           </p:cNvPr>
@@ -2415,7 +2415,7 @@
           <p:cNvPr id="7" name="Slide Number Placeholder 6">
             <a:extLst>
               <a:ext uri="{FF2B5EF4-FFF2-40B4-BE49-F238E27FC236}">
-                <a16:creationId xmlns:a16="http://schemas.microsoft.com/office/drawing/2014/main" id="{A8C629ED-E565-4E0B-AD9D-40CE05D3EAA1}"/>
+                <a16:creationId xmlns:a16="http://schemas.microsoft.com/office/drawing/2014/main" xmlns="" id="{A8C629ED-E565-4E0B-AD9D-40CE05D3EAA1}"/>
               </a:ext>
             </a:extLst>
           </p:cNvPr>
@@ -2474,7 +2474,7 @@
           <p:cNvPr id="2" name="Title 1">
             <a:extLst>
               <a:ext uri="{FF2B5EF4-FFF2-40B4-BE49-F238E27FC236}">
-                <a16:creationId xmlns:a16="http://schemas.microsoft.com/office/drawing/2014/main" id="{6FD54FBF-A362-42DD-85B5-3877C484E7FD}"/>
+                <a16:creationId xmlns:a16="http://schemas.microsoft.com/office/drawing/2014/main" xmlns="" id="{6FD54FBF-A362-42DD-85B5-3877C484E7FD}"/>
               </a:ext>
             </a:extLst>
           </p:cNvPr>
@@ -2511,7 +2511,7 @@
           <p:cNvPr id="3" name="Picture Placeholder 2">
             <a:extLst>
               <a:ext uri="{FF2B5EF4-FFF2-40B4-BE49-F238E27FC236}">
-                <a16:creationId xmlns:a16="http://schemas.microsoft.com/office/drawing/2014/main" id="{BE9B0448-F03B-41B4-B860-95C9C8661FB8}"/>
+                <a16:creationId xmlns:a16="http://schemas.microsoft.com/office/drawing/2014/main" xmlns="" id="{BE9B0448-F03B-41B4-B860-95C9C8661FB8}"/>
               </a:ext>
             </a:extLst>
           </p:cNvPr>
@@ -2578,7 +2578,7 @@
           <p:cNvPr id="4" name="Text Placeholder 3">
             <a:extLst>
               <a:ext uri="{FF2B5EF4-FFF2-40B4-BE49-F238E27FC236}">
-                <a16:creationId xmlns:a16="http://schemas.microsoft.com/office/drawing/2014/main" id="{F7FC921E-B38C-408C-A791-82646F3F72D1}"/>
+                <a16:creationId xmlns:a16="http://schemas.microsoft.com/office/drawing/2014/main" xmlns="" id="{F7FC921E-B38C-408C-A791-82646F3F72D1}"/>
               </a:ext>
             </a:extLst>
           </p:cNvPr>
@@ -2649,7 +2649,7 @@
           <p:cNvPr id="5" name="Date Placeholder 4">
             <a:extLst>
               <a:ext uri="{FF2B5EF4-FFF2-40B4-BE49-F238E27FC236}">
-                <a16:creationId xmlns:a16="http://schemas.microsoft.com/office/drawing/2014/main" id="{EA94C9DB-41B4-41A8-B448-29BCDE00F154}"/>
+                <a16:creationId xmlns:a16="http://schemas.microsoft.com/office/drawing/2014/main" xmlns="" id="{EA94C9DB-41B4-41A8-B448-29BCDE00F154}"/>
               </a:ext>
             </a:extLst>
           </p:cNvPr>
@@ -2678,7 +2678,7 @@
           <p:cNvPr id="6" name="Footer Placeholder 5">
             <a:extLst>
               <a:ext uri="{FF2B5EF4-FFF2-40B4-BE49-F238E27FC236}">
-                <a16:creationId xmlns:a16="http://schemas.microsoft.com/office/drawing/2014/main" id="{83C23DBF-6B70-417C-AB3A-1C647335B903}"/>
+                <a16:creationId xmlns:a16="http://schemas.microsoft.com/office/drawing/2014/main" xmlns="" id="{83C23DBF-6B70-417C-AB3A-1C647335B903}"/>
               </a:ext>
             </a:extLst>
           </p:cNvPr>
@@ -2703,7 +2703,7 @@
           <p:cNvPr id="7" name="Slide Number Placeholder 6">
             <a:extLst>
               <a:ext uri="{FF2B5EF4-FFF2-40B4-BE49-F238E27FC236}">
-                <a16:creationId xmlns:a16="http://schemas.microsoft.com/office/drawing/2014/main" id="{CDE72E24-7DFE-40F2-ACD3-A3A6A7F526DE}"/>
+                <a16:creationId xmlns:a16="http://schemas.microsoft.com/office/drawing/2014/main" xmlns="" id="{CDE72E24-7DFE-40F2-ACD3-A3A6A7F526DE}"/>
               </a:ext>
             </a:extLst>
           </p:cNvPr>
@@ -2767,7 +2767,7 @@
           <p:cNvPr id="2" name="Title Placeholder 1">
             <a:extLst>
               <a:ext uri="{FF2B5EF4-FFF2-40B4-BE49-F238E27FC236}">
-                <a16:creationId xmlns:a16="http://schemas.microsoft.com/office/drawing/2014/main" id="{4807D71F-C24B-442C-B6CC-F9CA7857C83E}"/>
+                <a16:creationId xmlns:a16="http://schemas.microsoft.com/office/drawing/2014/main" xmlns="" id="{4807D71F-C24B-442C-B6CC-F9CA7857C83E}"/>
               </a:ext>
             </a:extLst>
           </p:cNvPr>
@@ -2805,7 +2805,7 @@
           <p:cNvPr id="3" name="Text Placeholder 2">
             <a:extLst>
               <a:ext uri="{FF2B5EF4-FFF2-40B4-BE49-F238E27FC236}">
-                <a16:creationId xmlns:a16="http://schemas.microsoft.com/office/drawing/2014/main" id="{B0BE28E5-45AB-4C2C-BF7E-AF77622C0580}"/>
+                <a16:creationId xmlns:a16="http://schemas.microsoft.com/office/drawing/2014/main" xmlns="" id="{B0BE28E5-45AB-4C2C-BF7E-AF77622C0580}"/>
               </a:ext>
             </a:extLst>
           </p:cNvPr>
@@ -2872,7 +2872,7 @@
           <p:cNvPr id="4" name="Date Placeholder 3">
             <a:extLst>
               <a:ext uri="{FF2B5EF4-FFF2-40B4-BE49-F238E27FC236}">
-                <a16:creationId xmlns:a16="http://schemas.microsoft.com/office/drawing/2014/main" id="{93F518D6-997C-43C9-80A5-A3F114AE6893}"/>
+                <a16:creationId xmlns:a16="http://schemas.microsoft.com/office/drawing/2014/main" xmlns="" id="{93F518D6-997C-43C9-80A5-A3F114AE6893}"/>
               </a:ext>
             </a:extLst>
           </p:cNvPr>
@@ -2919,7 +2919,7 @@
           <p:cNvPr id="5" name="Footer Placeholder 4">
             <a:extLst>
               <a:ext uri="{FF2B5EF4-FFF2-40B4-BE49-F238E27FC236}">
-                <a16:creationId xmlns:a16="http://schemas.microsoft.com/office/drawing/2014/main" id="{CD5809EE-76DD-4527-943B-5B8D95B349F4}"/>
+                <a16:creationId xmlns:a16="http://schemas.microsoft.com/office/drawing/2014/main" xmlns="" id="{CD5809EE-76DD-4527-943B-5B8D95B349F4}"/>
               </a:ext>
             </a:extLst>
           </p:cNvPr>
@@ -2962,7 +2962,7 @@
           <p:cNvPr id="6" name="Slide Number Placeholder 5">
             <a:extLst>
               <a:ext uri="{FF2B5EF4-FFF2-40B4-BE49-F238E27FC236}">
-                <a16:creationId xmlns:a16="http://schemas.microsoft.com/office/drawing/2014/main" id="{71A9B84E-4E60-4685-805E-D1548A653D3F}"/>
+                <a16:creationId xmlns:a16="http://schemas.microsoft.com/office/drawing/2014/main" xmlns="" id="{71A9B84E-4E60-4685-805E-D1548A653D3F}"/>
               </a:ext>
             </a:extLst>
           </p:cNvPr>
@@ -3330,7 +3330,7 @@
           <p:cNvPr id="2" name="Title 1">
             <a:extLst>
               <a:ext uri="{FF2B5EF4-FFF2-40B4-BE49-F238E27FC236}">
-                <a16:creationId xmlns:a16="http://schemas.microsoft.com/office/drawing/2014/main" id="{8C6F01CB-882A-449B-AE0A-990DCCBF8210}"/>
+                <a16:creationId xmlns:a16="http://schemas.microsoft.com/office/drawing/2014/main" xmlns="" id="{8C6F01CB-882A-449B-AE0A-990DCCBF8210}"/>
               </a:ext>
             </a:extLst>
           </p:cNvPr>
@@ -3358,7 +3358,7 @@
           <p:cNvPr id="3" name="Subtitle 2">
             <a:extLst>
               <a:ext uri="{FF2B5EF4-FFF2-40B4-BE49-F238E27FC236}">
-                <a16:creationId xmlns:a16="http://schemas.microsoft.com/office/drawing/2014/main" id="{FC1C5C37-E8FA-4610-AFE5-C3F201B25AAE}"/>
+                <a16:creationId xmlns:a16="http://schemas.microsoft.com/office/drawing/2014/main" xmlns="" id="{FC1C5C37-E8FA-4610-AFE5-C3F201B25AAE}"/>
               </a:ext>
             </a:extLst>
           </p:cNvPr>
@@ -3375,8 +3375,12 @@
           <a:lstStyle/>
           <a:p>
             <a:r>
+              <a:rPr lang="en-US" dirty="0" smtClean="0"/>
+              <a:t>Charlie </a:t>
+            </a:r>
+            <a:r>
               <a:rPr lang="en-US" dirty="0"/>
-              <a:t>Charles Hartsell</a:t>
+              <a:t>Hartsell</a:t>
             </a:r>
           </a:p>
           <a:p>
@@ -3422,7 +3426,7 @@
           <p:cNvPr id="2" name="Title 1">
             <a:extLst>
               <a:ext uri="{FF2B5EF4-FFF2-40B4-BE49-F238E27FC236}">
-                <a16:creationId xmlns:a16="http://schemas.microsoft.com/office/drawing/2014/main" id="{EA857472-7ECB-441C-9708-A907CC1507CA}"/>
+                <a16:creationId xmlns:a16="http://schemas.microsoft.com/office/drawing/2014/main" xmlns="" id="{EA857472-7ECB-441C-9708-A907CC1507CA}"/>
               </a:ext>
             </a:extLst>
           </p:cNvPr>
@@ -3450,7 +3454,7 @@
           <p:cNvPr id="5" name="Content Placeholder 4">
             <a:extLst>
               <a:ext uri="{FF2B5EF4-FFF2-40B4-BE49-F238E27FC236}">
-                <a16:creationId xmlns:a16="http://schemas.microsoft.com/office/drawing/2014/main" id="{B2B4D278-51D8-4624-BAE3-6E9A380FFE57}"/>
+                <a16:creationId xmlns:a16="http://schemas.microsoft.com/office/drawing/2014/main" xmlns="" id="{B2B4D278-51D8-4624-BAE3-6E9A380FFE57}"/>
               </a:ext>
             </a:extLst>
           </p:cNvPr>
@@ -3485,7 +3489,7 @@
           <p:cNvPr id="6" name="TextBox 5">
             <a:extLst>
               <a:ext uri="{FF2B5EF4-FFF2-40B4-BE49-F238E27FC236}">
-                <a16:creationId xmlns:a16="http://schemas.microsoft.com/office/drawing/2014/main" id="{52A14F5F-9EAF-4159-8969-A8C2B0482B27}"/>
+                <a16:creationId xmlns:a16="http://schemas.microsoft.com/office/drawing/2014/main" xmlns="" id="{52A14F5F-9EAF-4159-8969-A8C2B0482B27}"/>
               </a:ext>
             </a:extLst>
           </p:cNvPr>
@@ -3551,7 +3555,7 @@
           <p:cNvPr id="2" name="Title 1">
             <a:extLst>
               <a:ext uri="{FF2B5EF4-FFF2-40B4-BE49-F238E27FC236}">
-                <a16:creationId xmlns:a16="http://schemas.microsoft.com/office/drawing/2014/main" id="{E2B94D11-0907-4BEB-AC2F-0755AEF2BECC}"/>
+                <a16:creationId xmlns:a16="http://schemas.microsoft.com/office/drawing/2014/main" xmlns="" id="{E2B94D11-0907-4BEB-AC2F-0755AEF2BECC}"/>
               </a:ext>
             </a:extLst>
           </p:cNvPr>
@@ -3579,7 +3583,7 @@
           <p:cNvPr id="5" name="Content Placeholder 4">
             <a:extLst>
               <a:ext uri="{FF2B5EF4-FFF2-40B4-BE49-F238E27FC236}">
-                <a16:creationId xmlns:a16="http://schemas.microsoft.com/office/drawing/2014/main" id="{03A0C2F5-6B7E-40D8-8030-B6207CD9C15A}"/>
+                <a16:creationId xmlns:a16="http://schemas.microsoft.com/office/drawing/2014/main" xmlns="" id="{03A0C2F5-6B7E-40D8-8030-B6207CD9C15A}"/>
               </a:ext>
             </a:extLst>
           </p:cNvPr>
@@ -3644,7 +3648,7 @@
           <p:cNvPr id="2" name="Title 1">
             <a:extLst>
               <a:ext uri="{FF2B5EF4-FFF2-40B4-BE49-F238E27FC236}">
-                <a16:creationId xmlns:a16="http://schemas.microsoft.com/office/drawing/2014/main" id="{619697CC-1F1A-46C8-9C7B-C4FCEDAA80CD}"/>
+                <a16:creationId xmlns:a16="http://schemas.microsoft.com/office/drawing/2014/main" xmlns="" id="{619697CC-1F1A-46C8-9C7B-C4FCEDAA80CD}"/>
               </a:ext>
             </a:extLst>
           </p:cNvPr>
@@ -3672,7 +3676,7 @@
           <p:cNvPr id="4" name="image4.png" descr="Capture.PNG">
             <a:extLst>
               <a:ext uri="{FF2B5EF4-FFF2-40B4-BE49-F238E27FC236}">
-                <a16:creationId xmlns:a16="http://schemas.microsoft.com/office/drawing/2014/main" id="{0C871EC2-E5EB-49B7-9C99-2CD52233D407}"/>
+                <a16:creationId xmlns:a16="http://schemas.microsoft.com/office/drawing/2014/main" xmlns="" id="{0C871EC2-E5EB-49B7-9C99-2CD52233D407}"/>
               </a:ext>
             </a:extLst>
           </p:cNvPr>
@@ -3736,7 +3740,7 @@
           <p:cNvPr id="5" name="Content Placeholder 4">
             <a:extLst>
               <a:ext uri="{FF2B5EF4-FFF2-40B4-BE49-F238E27FC236}">
-                <a16:creationId xmlns:a16="http://schemas.microsoft.com/office/drawing/2014/main" id="{76A9BD70-FF1C-4CED-9DEA-7AEEF92544E6}"/>
+                <a16:creationId xmlns:a16="http://schemas.microsoft.com/office/drawing/2014/main" xmlns="" id="{76A9BD70-FF1C-4CED-9DEA-7AEEF92544E6}"/>
               </a:ext>
             </a:extLst>
           </p:cNvPr>
@@ -3748,7 +3752,7 @@
           </p:nvPr>
         </p:nvPicPr>
         <p:blipFill>
-          <a:blip r:embed="rId2">
+          <a:blip r:embed="rId2" cstate="print">
             <a:extLst>
               <a:ext uri="{28A0092B-C50C-407E-A947-70E740481C1C}">
                 <a14:useLocalDpi xmlns:a14="http://schemas.microsoft.com/office/drawing/2010/main" val="0"/>
@@ -4068,7 +4072,7 @@
   <a:extraClrSchemeLst/>
   <a:extLst>
     <a:ext uri="{05A4C25C-085E-4340-85A3-A5531E510DB2}">
-      <thm15:themeFamily xmlns:thm15="http://schemas.microsoft.com/office/thememl/2012/main" name="Office Theme" id="{62F939B6-93AF-4DB8-9C6B-D6C7DFDC589F}" vid="{4A3C46E8-61CC-4603-A589-7422A47A8E4A}"/>
+      <thm15:themeFamily xmlns:thm15="http://schemas.microsoft.com/office/thememl/2012/main" xmlns="" name="Office Theme" id="{62F939B6-93AF-4DB8-9C6B-D6C7DFDC589F}" vid="{4A3C46E8-61CC-4603-A589-7422A47A8E4A}"/>
     </a:ext>
   </a:extLst>
 </a:theme>
